--- a/Presentacion_Empresa_6_3_2024.pptx
+++ b/Presentacion_Empresa_6_3_2024.pptx
@@ -5,14 +5,14 @@
     <p:sldMasterId id="2147483660" r:id="rId1"/>
   </p:sldMasterIdLst>
   <p:notesMasterIdLst>
-    <p:notesMasterId r:id="rId14"/>
+    <p:notesMasterId r:id="rId17"/>
   </p:notesMasterIdLst>
   <p:sldIdLst>
     <p:sldId id="256" r:id="rId2"/>
     <p:sldId id="257" r:id="rId3"/>
     <p:sldId id="258" r:id="rId4"/>
-    <p:sldId id="259" r:id="rId5"/>
-    <p:sldId id="260" r:id="rId6"/>
+    <p:sldId id="260" r:id="rId5"/>
+    <p:sldId id="270" r:id="rId6"/>
     <p:sldId id="261" r:id="rId7"/>
     <p:sldId id="262" r:id="rId8"/>
     <p:sldId id="263" r:id="rId9"/>
@@ -20,6 +20,9 @@
     <p:sldId id="265" r:id="rId11"/>
     <p:sldId id="266" r:id="rId12"/>
     <p:sldId id="267" r:id="rId13"/>
+    <p:sldId id="268" r:id="rId14"/>
+    <p:sldId id="269" r:id="rId15"/>
+    <p:sldId id="271" r:id="rId16"/>
   </p:sldIdLst>
   <p:sldSz cx="9144000" cy="6858000" type="screen4x3"/>
   <p:notesSz cx="6858000" cy="9144000"/>
@@ -204,7 +207,7 @@
             <a:fld id="{646A2A06-C03F-4214-8F05-2D2DB0B6AE32}" type="datetimeFigureOut">
               <a:rPr lang="es-ES" smtClean="0"/>
               <a:pPr/>
-              <a:t>06/03/2024</a:t>
+              <a:t>11/03/2024</a:t>
             </a:fld>
             <a:endParaRPr lang="es-ES"/>
           </a:p>
@@ -518,17 +521,32 @@
           <a:p>
             <a:r>
               <a:rPr lang="es-ES" dirty="0" smtClean="0"/>
-              <a:t>¿Meter</a:t>
+              <a:t>Imagen: https://commons.wikimedia.org/wiki/File:Royal_Game_of_Ur_07.jpg</a:t>
+            </a:r>
+          </a:p>
+          <a:p>
+            <a:endParaRPr lang="es-ES" dirty="0" smtClean="0"/>
+          </a:p>
+          <a:p>
+            <a:r>
+              <a:rPr lang="es-ES" dirty="0" smtClean="0"/>
+              <a:t>Autor: Museo</a:t>
             </a:r>
             <a:r>
               <a:rPr lang="es-ES" baseline="0" dirty="0" smtClean="0"/>
-              <a:t> esto último en una nueva diapositiva? Lo de características del producto, precios, promociones y distribución casi que iría mejor en su propia página</a:t>
-            </a:r>
-          </a:p>
-          <a:p>
+              <a:t> Británico, </a:t>
+            </a:r>
+            <a:r>
+              <a:rPr lang="es-ES" baseline="0" dirty="0" err="1" smtClean="0"/>
+              <a:t>Creative</a:t>
+            </a:r>
             <a:r>
               <a:rPr lang="es-ES" baseline="0" dirty="0" smtClean="0"/>
-              <a:t>Lo de atención al cliente sí que sí</a:t>
+              <a:t> </a:t>
+            </a:r>
+            <a:r>
+              <a:rPr lang="es-ES" baseline="0" smtClean="0"/>
+              <a:t>Commons</a:t>
             </a:r>
             <a:endParaRPr lang="es-ES" dirty="0"/>
           </a:p>
@@ -552,7 +570,7 @@
             <a:fld id="{1F23E79E-4BE7-4384-99CB-C75E41AE377C}" type="slidenum">
               <a:rPr lang="es-ES" smtClean="0"/>
               <a:pPr/>
-              <a:t>5</a:t>
+              <a:t>2</a:t>
             </a:fld>
             <a:endParaRPr lang="es-ES"/>
           </a:p>
@@ -612,22 +630,6 @@
           </a:bodyPr>
           <a:lstStyle/>
           <a:p>
-            <a:r>
-              <a:rPr lang="es-ES" dirty="0" smtClean="0"/>
-              <a:t>En lo de la motivación no sé</a:t>
-            </a:r>
-            <a:r>
-              <a:rPr lang="es-ES" baseline="0" dirty="0" smtClean="0"/>
-              <a:t> si debería de poner la Teoría X de </a:t>
-            </a:r>
-            <a:r>
-              <a:rPr lang="es-ES" baseline="0" dirty="0" err="1" smtClean="0"/>
-              <a:t>McGregor</a:t>
-            </a:r>
-            <a:r>
-              <a:rPr lang="es-ES" baseline="0" dirty="0" smtClean="0"/>
-              <a:t>, aunque eso está en el apartado de la dirección y no en el apartado de la motivación del libro (página 113)</a:t>
-            </a:r>
             <a:endParaRPr lang="es-ES" dirty="0"/>
           </a:p>
         </p:txBody>
@@ -650,7 +652,7 @@
             <a:fld id="{1F23E79E-4BE7-4384-99CB-C75E41AE377C}" type="slidenum">
               <a:rPr lang="es-ES" smtClean="0"/>
               <a:pPr/>
-              <a:t>6</a:t>
+              <a:t>4</a:t>
             </a:fld>
             <a:endParaRPr lang="es-ES"/>
           </a:p>
@@ -710,19 +712,7 @@
           </a:bodyPr>
           <a:lstStyle/>
           <a:p>
-            <a:r>
-              <a:rPr lang="es-ES" dirty="0" smtClean="0"/>
-              <a:t>Tengo</a:t>
-            </a:r>
-            <a:r>
-              <a:rPr lang="es-ES" baseline="0" dirty="0" smtClean="0"/>
-              <a:t> que cambiar la presentación de </a:t>
-            </a:r>
-            <a:r>
-              <a:rPr lang="es-ES" baseline="0" smtClean="0"/>
-              <a:t>esta parte</a:t>
-            </a:r>
-            <a:endParaRPr lang="es-ES" baseline="0" dirty="0" smtClean="0"/>
+            <a:endParaRPr lang="es-ES" dirty="0"/>
           </a:p>
         </p:txBody>
       </p:sp>
@@ -744,7 +734,7 @@
             <a:fld id="{1F23E79E-4BE7-4384-99CB-C75E41AE377C}" type="slidenum">
               <a:rPr lang="es-ES" smtClean="0"/>
               <a:pPr/>
-              <a:t>9</a:t>
+              <a:t>6</a:t>
             </a:fld>
             <a:endParaRPr lang="es-ES"/>
           </a:p>
@@ -805,14 +795,239 @@
           <a:lstStyle/>
           <a:p>
             <a:r>
-              <a:rPr lang="es-ES" smtClean="0"/>
-              <a:t>[QUIZA</a:t>
+              <a:rPr lang="es-ES" dirty="0" smtClean="0"/>
+              <a:t>Imagen propia</a:t>
+            </a:r>
+            <a:endParaRPr lang="es-ES" dirty="0"/>
+          </a:p>
+        </p:txBody>
+      </p:sp>
+      <p:sp>
+        <p:nvSpPr>
+          <p:cNvPr id="4" name="3 Marcador de número de diapositiva"/>
+          <p:cNvSpPr>
+            <a:spLocks noGrp="1"/>
+          </p:cNvSpPr>
+          <p:nvPr>
+            <p:ph type="sldNum" sz="quarter" idx="10"/>
+          </p:nvPr>
+        </p:nvSpPr>
+        <p:spPr/>
+        <p:txBody>
+          <a:bodyPr/>
+          <a:lstStyle/>
+          <a:p>
+            <a:fld id="{1F23E79E-4BE7-4384-99CB-C75E41AE377C}" type="slidenum">
+              <a:rPr lang="es-ES" smtClean="0"/>
+              <a:pPr/>
+              <a:t>7</a:t>
+            </a:fld>
+            <a:endParaRPr lang="es-ES"/>
+          </a:p>
+        </p:txBody>
+      </p:sp>
+    </p:spTree>
+  </p:cSld>
+  <p:clrMapOvr>
+    <a:masterClrMapping/>
+  </p:clrMapOvr>
+</p:notes>
+</file>
+
+<file path=ppt/notesSlides/notesSlide5.xml><?xml version="1.0" encoding="utf-8"?>
+<p:notes xmlns:a="http://schemas.openxmlformats.org/drawingml/2006/main" xmlns:r="http://schemas.openxmlformats.org/officeDocument/2006/relationships" xmlns:p="http://schemas.openxmlformats.org/presentationml/2006/main">
+  <p:cSld>
+    <p:spTree>
+      <p:nvGrpSpPr>
+        <p:cNvPr id="1" name=""/>
+        <p:cNvGrpSpPr/>
+        <p:nvPr/>
+      </p:nvGrpSpPr>
+      <p:grpSpPr>
+        <a:xfrm>
+          <a:off x="0" y="0"/>
+          <a:ext cx="0" cy="0"/>
+          <a:chOff x="0" y="0"/>
+          <a:chExt cx="0" cy="0"/>
+        </a:xfrm>
+      </p:grpSpPr>
+      <p:sp>
+        <p:nvSpPr>
+          <p:cNvPr id="2" name="1 Marcador de imagen de diapositiva"/>
+          <p:cNvSpPr>
+            <a:spLocks noGrp="1" noRot="1" noChangeAspect="1"/>
+          </p:cNvSpPr>
+          <p:nvPr>
+            <p:ph type="sldImg"/>
+          </p:nvPr>
+        </p:nvSpPr>
+        <p:spPr/>
+      </p:sp>
+      <p:sp>
+        <p:nvSpPr>
+          <p:cNvPr id="3" name="2 Marcador de notas"/>
+          <p:cNvSpPr>
+            <a:spLocks noGrp="1"/>
+          </p:cNvSpPr>
+          <p:nvPr>
+            <p:ph type="body" idx="1"/>
+          </p:nvPr>
+        </p:nvSpPr>
+        <p:spPr/>
+        <p:txBody>
+          <a:bodyPr>
+            <a:normAutofit/>
+          </a:bodyPr>
+          <a:lstStyle/>
+          <a:p>
+            <a:r>
+              <a:rPr lang="es-ES" dirty="0" smtClean="0"/>
+              <a:t>Tengo</a:t>
+            </a:r>
+            <a:r>
+              <a:rPr lang="es-ES" baseline="0" dirty="0" smtClean="0"/>
+              <a:t> que cambiar la presentación de </a:t>
             </a:r>
             <a:r>
               <a:rPr lang="es-ES" baseline="0" smtClean="0"/>
-              <a:t> SOBRA]</a:t>
-            </a:r>
+              <a:t>esta parte</a:t>
+            </a:r>
+            <a:endParaRPr lang="es-ES" baseline="0" dirty="0" smtClean="0"/>
+          </a:p>
+        </p:txBody>
+      </p:sp>
+      <p:sp>
+        <p:nvSpPr>
+          <p:cNvPr id="4" name="3 Marcador de número de diapositiva"/>
+          <p:cNvSpPr>
+            <a:spLocks noGrp="1"/>
+          </p:cNvSpPr>
+          <p:nvPr>
+            <p:ph type="sldNum" sz="quarter" idx="10"/>
+          </p:nvPr>
+        </p:nvSpPr>
+        <p:spPr/>
+        <p:txBody>
+          <a:bodyPr/>
+          <a:lstStyle/>
+          <a:p>
+            <a:fld id="{1F23E79E-4BE7-4384-99CB-C75E41AE377C}" type="slidenum">
+              <a:rPr lang="es-ES" smtClean="0"/>
+              <a:pPr/>
+              <a:t>9</a:t>
+            </a:fld>
             <a:endParaRPr lang="es-ES"/>
+          </a:p>
+        </p:txBody>
+      </p:sp>
+    </p:spTree>
+  </p:cSld>
+  <p:clrMapOvr>
+    <a:masterClrMapping/>
+  </p:clrMapOvr>
+</p:notes>
+</file>
+
+<file path=ppt/notesSlides/notesSlide6.xml><?xml version="1.0" encoding="utf-8"?>
+<p:notes xmlns:a="http://schemas.openxmlformats.org/drawingml/2006/main" xmlns:r="http://schemas.openxmlformats.org/officeDocument/2006/relationships" xmlns:p="http://schemas.openxmlformats.org/presentationml/2006/main">
+  <p:cSld>
+    <p:spTree>
+      <p:nvGrpSpPr>
+        <p:cNvPr id="1" name=""/>
+        <p:cNvGrpSpPr/>
+        <p:nvPr/>
+      </p:nvGrpSpPr>
+      <p:grpSpPr>
+        <a:xfrm>
+          <a:off x="0" y="0"/>
+          <a:ext cx="0" cy="0"/>
+          <a:chOff x="0" y="0"/>
+          <a:chExt cx="0" cy="0"/>
+        </a:xfrm>
+      </p:grpSpPr>
+      <p:sp>
+        <p:nvSpPr>
+          <p:cNvPr id="2" name="1 Marcador de imagen de diapositiva"/>
+          <p:cNvSpPr>
+            <a:spLocks noGrp="1" noRot="1" noChangeAspect="1"/>
+          </p:cNvSpPr>
+          <p:nvPr>
+            <p:ph type="sldImg"/>
+          </p:nvPr>
+        </p:nvSpPr>
+        <p:spPr/>
+      </p:sp>
+      <p:sp>
+        <p:nvSpPr>
+          <p:cNvPr id="3" name="2 Marcador de notas"/>
+          <p:cNvSpPr>
+            <a:spLocks noGrp="1"/>
+          </p:cNvSpPr>
+          <p:nvPr>
+            <p:ph type="body" idx="1"/>
+          </p:nvPr>
+        </p:nvSpPr>
+        <p:spPr/>
+        <p:txBody>
+          <a:bodyPr>
+            <a:normAutofit/>
+          </a:bodyPr>
+          <a:lstStyle/>
+          <a:p>
+            <a:r>
+              <a:rPr lang="es-ES" dirty="0" smtClean="0"/>
+              <a:t>Fuente de la imagen utilizada:</a:t>
+            </a:r>
+            <a:r>
+              <a:rPr lang="es-ES" baseline="0" dirty="0" smtClean="0"/>
+              <a:t> https://commons.wikimedia.org/wiki/File:Container_ships_President_Truman_(IMO_8616283)_and_President_Kennedy_(IMO_8616295)_at_San_Francisco.jpg</a:t>
+            </a:r>
+          </a:p>
+          <a:p>
+            <a:endParaRPr lang="es-ES" baseline="0" dirty="0" smtClean="0"/>
+          </a:p>
+          <a:p>
+            <a:r>
+              <a:rPr lang="es-ES" baseline="0" dirty="0" smtClean="0"/>
+              <a:t>Autor y derechos: la NOAA (</a:t>
+            </a:r>
+            <a:r>
+              <a:rPr lang="es-ES" dirty="0" err="1" smtClean="0"/>
+              <a:t>National</a:t>
+            </a:r>
+            <a:r>
+              <a:rPr lang="es-ES" dirty="0" smtClean="0"/>
+              <a:t> </a:t>
+            </a:r>
+            <a:r>
+              <a:rPr lang="es-ES" dirty="0" err="1" smtClean="0"/>
+              <a:t>Oceanic</a:t>
+            </a:r>
+            <a:r>
+              <a:rPr lang="es-ES" dirty="0" smtClean="0"/>
+              <a:t> &amp; </a:t>
+            </a:r>
+            <a:r>
+              <a:rPr lang="es-ES" dirty="0" err="1" smtClean="0"/>
+              <a:t>Atmospheric</a:t>
+            </a:r>
+            <a:r>
+              <a:rPr lang="es-ES" dirty="0" smtClean="0"/>
+              <a:t> </a:t>
+            </a:r>
+            <a:r>
+              <a:rPr lang="es-ES" dirty="0" err="1" smtClean="0"/>
+              <a:t>Administration</a:t>
+            </a:r>
+            <a:r>
+              <a:rPr lang="es-ES" dirty="0" smtClean="0"/>
+              <a:t>),</a:t>
+            </a:r>
+            <a:r>
+              <a:rPr lang="es-ES" baseline="0" dirty="0" smtClean="0"/>
+              <a:t> imagen en dominio público</a:t>
+            </a:r>
+            <a:endParaRPr lang="es-ES" dirty="0"/>
           </a:p>
         </p:txBody>
       </p:sp>
@@ -1097,7 +1312,7 @@
             <a:fld id="{7A847CFC-816F-41D0-AAC0-9BF4FEBC753E}" type="datetimeFigureOut">
               <a:rPr lang="es-ES" smtClean="0"/>
               <a:pPr/>
-              <a:t>06/03/2024</a:t>
+              <a:t>11/03/2024</a:t>
             </a:fld>
             <a:endParaRPr lang="es-ES"/>
           </a:p>
@@ -1322,7 +1537,7 @@
             <a:fld id="{7A847CFC-816F-41D0-AAC0-9BF4FEBC753E}" type="datetimeFigureOut">
               <a:rPr lang="es-ES" smtClean="0"/>
               <a:pPr/>
-              <a:t>06/03/2024</a:t>
+              <a:t>11/03/2024</a:t>
             </a:fld>
             <a:endParaRPr lang="es-ES"/>
           </a:p>
@@ -1604,7 +1819,7 @@
             <a:fld id="{7A847CFC-816F-41D0-AAC0-9BF4FEBC753E}" type="datetimeFigureOut">
               <a:rPr lang="es-ES" smtClean="0"/>
               <a:pPr/>
-              <a:t>06/03/2024</a:t>
+              <a:t>11/03/2024</a:t>
             </a:fld>
             <a:endParaRPr lang="es-ES"/>
           </a:p>
@@ -1785,7 +2000,7 @@
             <a:fld id="{7A847CFC-816F-41D0-AAC0-9BF4FEBC753E}" type="datetimeFigureOut">
               <a:rPr lang="es-ES" smtClean="0"/>
               <a:pPr/>
-              <a:t>06/03/2024</a:t>
+              <a:t>11/03/2024</a:t>
             </a:fld>
             <a:endParaRPr lang="es-ES"/>
           </a:p>
@@ -2145,7 +2360,7 @@
             <a:fld id="{7A847CFC-816F-41D0-AAC0-9BF4FEBC753E}" type="datetimeFigureOut">
               <a:rPr lang="es-ES" smtClean="0"/>
               <a:pPr/>
-              <a:t>06/03/2024</a:t>
+              <a:t>11/03/2024</a:t>
             </a:fld>
             <a:endParaRPr lang="es-ES"/>
           </a:p>
@@ -2434,7 +2649,7 @@
             <a:fld id="{7A847CFC-816F-41D0-AAC0-9BF4FEBC753E}" type="datetimeFigureOut">
               <a:rPr lang="es-ES" smtClean="0"/>
               <a:pPr/>
-              <a:t>06/03/2024</a:t>
+              <a:t>11/03/2024</a:t>
             </a:fld>
             <a:endParaRPr lang="es-ES"/>
           </a:p>
@@ -2858,7 +3073,7 @@
             <a:fld id="{7A847CFC-816F-41D0-AAC0-9BF4FEBC753E}" type="datetimeFigureOut">
               <a:rPr lang="es-ES" smtClean="0"/>
               <a:pPr/>
-              <a:t>06/03/2024</a:t>
+              <a:t>11/03/2024</a:t>
             </a:fld>
             <a:endParaRPr lang="es-ES"/>
           </a:p>
@@ -2975,7 +3190,7 @@
             <a:fld id="{7A847CFC-816F-41D0-AAC0-9BF4FEBC753E}" type="datetimeFigureOut">
               <a:rPr lang="es-ES" smtClean="0"/>
               <a:pPr/>
-              <a:t>06/03/2024</a:t>
+              <a:t>11/03/2024</a:t>
             </a:fld>
             <a:endParaRPr lang="es-ES"/>
           </a:p>
@@ -3067,7 +3282,7 @@
             <a:fld id="{7A847CFC-816F-41D0-AAC0-9BF4FEBC753E}" type="datetimeFigureOut">
               <a:rPr lang="es-ES" smtClean="0"/>
               <a:pPr/>
-              <a:t>06/03/2024</a:t>
+              <a:t>11/03/2024</a:t>
             </a:fld>
             <a:endParaRPr lang="es-ES"/>
           </a:p>
@@ -3347,7 +3562,7 @@
             <a:fld id="{7A847CFC-816F-41D0-AAC0-9BF4FEBC753E}" type="datetimeFigureOut">
               <a:rPr lang="es-ES" smtClean="0"/>
               <a:pPr/>
-              <a:t>06/03/2024</a:t>
+              <a:t>11/03/2024</a:t>
             </a:fld>
             <a:endParaRPr lang="es-ES"/>
           </a:p>
@@ -3715,7 +3930,7 @@
             <a:fld id="{7A847CFC-816F-41D0-AAC0-9BF4FEBC753E}" type="datetimeFigureOut">
               <a:rPr lang="es-ES" smtClean="0"/>
               <a:pPr/>
-              <a:t>06/03/2024</a:t>
+              <a:t>11/03/2024</a:t>
             </a:fld>
             <a:endParaRPr lang="es-ES"/>
           </a:p>
@@ -4154,7 +4369,7 @@
             <a:fld id="{7A847CFC-816F-41D0-AAC0-9BF4FEBC753E}" type="datetimeFigureOut">
               <a:rPr lang="es-ES" smtClean="0"/>
               <a:pPr/>
-              <a:t>06/03/2024</a:t>
+              <a:t>11/03/2024</a:t>
             </a:fld>
             <a:endParaRPr lang="es-ES"/>
           </a:p>
@@ -4688,8 +4903,9 @@
             </a:pPr>
             <a:r>
               <a:rPr lang="es-ES" dirty="0" smtClean="0"/>
-              <a:t>[PRIMERA MITAD DEL PLAN DE PRODUCCIÓN]</a:t>
-            </a:r>
+              <a:t>Para llevarlo a cabo será necesario que se inmiscuyan varias partes diferentes- nuestro servicio en línea, procesadores de pago, nuestro servicio de logística (tanto para el almacenaje como el reparto) </a:t>
+            </a:r>
+            <a:endParaRPr lang="es-ES" dirty="0" smtClean="0"/>
           </a:p>
         </p:txBody>
       </p:sp>
@@ -4735,11 +4951,7 @@
           <a:p>
             <a:r>
               <a:rPr lang="es-ES" dirty="0" smtClean="0"/>
-              <a:t>Plan de Producción </a:t>
-            </a:r>
-            <a:r>
-              <a:rPr lang="es-ES" dirty="0" smtClean="0"/>
-              <a:t>II</a:t>
+              <a:t>Plan de Producción II</a:t>
             </a:r>
             <a:endParaRPr lang="es-ES" dirty="0"/>
           </a:p>
@@ -4762,32 +4974,29 @@
           <a:p>
             <a:r>
               <a:rPr lang="es-ES" dirty="0" smtClean="0"/>
-              <a:t>Nuestro plan de producción para nuestro servicio </a:t>
-            </a:r>
-            <a:r>
-              <a:rPr lang="es-ES" dirty="0" smtClean="0"/>
-              <a:t>de foro en línea:</a:t>
-            </a:r>
+              <a:t>Nuestro plan de producción para nuestro servicio de foro en línea:</a:t>
+            </a:r>
+          </a:p>
+          <a:p>
             <a:endParaRPr lang="es-ES" dirty="0" smtClean="0"/>
           </a:p>
           <a:p>
+            <a:pPr>
+              <a:buNone/>
+            </a:pPr>
+            <a:r>
+              <a:rPr lang="es-ES" dirty="0" smtClean="0"/>
+              <a:t>Requerirá</a:t>
+            </a:r>
+            <a:r>
+              <a:rPr lang="es-ES" dirty="0" smtClean="0"/>
+              <a:t> de se involucren menos partes, sólo requiriendo un procesador de pagos y nuestros servicios </a:t>
+            </a:r>
+            <a:r>
+              <a:rPr lang="es-ES" i="1" dirty="0" smtClean="0"/>
+              <a:t>online</a:t>
+            </a:r>
             <a:endParaRPr lang="es-ES" dirty="0" smtClean="0"/>
-          </a:p>
-          <a:p>
-            <a:pPr>
-              <a:buNone/>
-            </a:pPr>
-            <a:r>
-              <a:rPr lang="es-ES" dirty="0" smtClean="0"/>
-              <a:t>[SEGUNDA MITAD </a:t>
-            </a:r>
-            <a:r>
-              <a:rPr lang="es-ES" dirty="0" smtClean="0"/>
-              <a:t>DEL PLAN DE PRODUCCIÓN]</a:t>
-            </a:r>
-          </a:p>
-          <a:p>
-            <a:endParaRPr lang="es-ES" dirty="0"/>
           </a:p>
         </p:txBody>
       </p:sp>
@@ -4835,7 +5044,7 @@
           <a:p>
             <a:r>
               <a:rPr lang="es-ES" dirty="0" smtClean="0"/>
-              <a:t>[Plan de Producción III] Aprovisionamiento</a:t>
+              <a:t>Plan de Producción III Aprovisionamiento</a:t>
             </a:r>
             <a:endParaRPr lang="es-ES" dirty="0"/>
           </a:p>
@@ -4856,7 +5065,306 @@
           <a:bodyPr/>
           <a:lstStyle/>
           <a:p>
-            <a:endParaRPr lang="es-ES"/>
+            <a:r>
+              <a:rPr lang="es-ES" dirty="0" smtClean="0"/>
+              <a:t>Aprovisionamiento: Necesitaremos tener reservas de productos de 3 meses.</a:t>
+            </a:r>
+          </a:p>
+          <a:p>
+            <a:pPr>
+              <a:buNone/>
+            </a:pPr>
+            <a:endParaRPr lang="es-ES" dirty="0" smtClean="0"/>
+          </a:p>
+          <a:p>
+            <a:r>
+              <a:rPr lang="es-ES" dirty="0" smtClean="0"/>
+              <a:t>La importación desde China lleva 40 días, por lo que un margen de 3 veces ese tiempo es aceptable.</a:t>
+            </a:r>
+          </a:p>
+        </p:txBody>
+      </p:sp>
+      <p:pic>
+        <p:nvPicPr>
+          <p:cNvPr id="4099" name="Picture 3" descr="C:\Users\Tarde\Downloads\Container_ships_President_Truman_(IMO_8616283)_and_President_Kennedy_(IMO_8616295)_at_San_Francisco.jpg"/>
+          <p:cNvPicPr>
+            <a:picLocks noChangeAspect="1" noChangeArrowheads="1"/>
+          </p:cNvPicPr>
+          <p:nvPr/>
+        </p:nvPicPr>
+        <p:blipFill>
+          <a:blip r:embed="rId3" cstate="print"/>
+          <a:srcRect/>
+          <a:stretch>
+            <a:fillRect/>
+          </a:stretch>
+        </p:blipFill>
+        <p:spPr bwMode="auto">
+          <a:xfrm>
+            <a:off x="2843808" y="4293096"/>
+            <a:ext cx="3721345" cy="2407245"/>
+          </a:xfrm>
+          <a:prstGeom prst="rect">
+            <a:avLst/>
+          </a:prstGeom>
+          <a:noFill/>
+        </p:spPr>
+      </p:pic>
+    </p:spTree>
+  </p:cSld>
+  <p:clrMapOvr>
+    <a:masterClrMapping/>
+  </p:clrMapOvr>
+</p:sld>
+</file>
+
+<file path=ppt/slides/slide13.xml><?xml version="1.0" encoding="utf-8"?>
+<p:sld xmlns:a="http://schemas.openxmlformats.org/drawingml/2006/main" xmlns:r="http://schemas.openxmlformats.org/officeDocument/2006/relationships" xmlns:p="http://schemas.openxmlformats.org/presentationml/2006/main">
+  <p:cSld>
+    <p:spTree>
+      <p:nvGrpSpPr>
+        <p:cNvPr id="1" name=""/>
+        <p:cNvGrpSpPr/>
+        <p:nvPr/>
+      </p:nvGrpSpPr>
+      <p:grpSpPr>
+        <a:xfrm>
+          <a:off x="0" y="0"/>
+          <a:ext cx="0" cy="0"/>
+          <a:chOff x="0" y="0"/>
+          <a:chExt cx="0" cy="0"/>
+        </a:xfrm>
+      </p:grpSpPr>
+      <p:sp>
+        <p:nvSpPr>
+          <p:cNvPr id="2" name="1 Título"/>
+          <p:cNvSpPr>
+            <a:spLocks noGrp="1"/>
+          </p:cNvSpPr>
+          <p:nvPr>
+            <p:ph type="title"/>
+          </p:nvPr>
+        </p:nvSpPr>
+        <p:spPr/>
+        <p:txBody>
+          <a:bodyPr/>
+          <a:lstStyle/>
+          <a:p>
+            <a:r>
+              <a:rPr lang="es-ES" dirty="0" smtClean="0"/>
+              <a:t>Inversiones y gastos</a:t>
+            </a:r>
+            <a:endParaRPr lang="es-ES" dirty="0"/>
+          </a:p>
+        </p:txBody>
+      </p:sp>
+      <p:sp>
+        <p:nvSpPr>
+          <p:cNvPr id="3" name="2 Marcador de contenido"/>
+          <p:cNvSpPr>
+            <a:spLocks noGrp="1"/>
+          </p:cNvSpPr>
+          <p:nvPr>
+            <p:ph idx="1"/>
+          </p:nvPr>
+        </p:nvSpPr>
+        <p:spPr/>
+        <p:txBody>
+          <a:bodyPr>
+            <a:normAutofit lnSpcReduction="10000"/>
+          </a:bodyPr>
+          <a:lstStyle/>
+          <a:p>
+            <a:r>
+              <a:rPr lang="es-ES" dirty="0" smtClean="0"/>
+              <a:t>Necesitaremos realizar una serie de inversiones y de gastos para poner nuestro negocio en marcha.</a:t>
+            </a:r>
+          </a:p>
+          <a:p>
+            <a:endParaRPr lang="es-ES" dirty="0" smtClean="0"/>
+          </a:p>
+          <a:p>
+            <a:r>
+              <a:rPr lang="es-ES" dirty="0" smtClean="0"/>
+              <a:t>Realizaremos la compra de un polígono </a:t>
+            </a:r>
+            <a:r>
+              <a:rPr lang="es-ES" dirty="0" smtClean="0"/>
+              <a:t>industrial, una inversión, además de gastos en publicidad, certificación, etc..</a:t>
+            </a:r>
+            <a:endParaRPr lang="es-ES" dirty="0" smtClean="0"/>
+          </a:p>
+          <a:p>
+            <a:endParaRPr lang="es-ES" dirty="0" smtClean="0"/>
+          </a:p>
+          <a:p>
+            <a:r>
+              <a:rPr lang="es-ES" dirty="0" smtClean="0"/>
+              <a:t>Realizaremos una serie de gastos de forma continua, como en electricidad </a:t>
+            </a:r>
+          </a:p>
+        </p:txBody>
+      </p:sp>
+    </p:spTree>
+  </p:cSld>
+  <p:clrMapOvr>
+    <a:masterClrMapping/>
+  </p:clrMapOvr>
+</p:sld>
+</file>
+
+<file path=ppt/slides/slide14.xml><?xml version="1.0" encoding="utf-8"?>
+<p:sld xmlns:a="http://schemas.openxmlformats.org/drawingml/2006/main" xmlns:r="http://schemas.openxmlformats.org/officeDocument/2006/relationships" xmlns:p="http://schemas.openxmlformats.org/presentationml/2006/main">
+  <p:cSld>
+    <p:spTree>
+      <p:nvGrpSpPr>
+        <p:cNvPr id="1" name=""/>
+        <p:cNvGrpSpPr/>
+        <p:nvPr/>
+      </p:nvGrpSpPr>
+      <p:grpSpPr>
+        <a:xfrm>
+          <a:off x="0" y="0"/>
+          <a:ext cx="0" cy="0"/>
+          <a:chOff x="0" y="0"/>
+          <a:chExt cx="0" cy="0"/>
+        </a:xfrm>
+      </p:grpSpPr>
+      <p:sp>
+        <p:nvSpPr>
+          <p:cNvPr id="2" name="1 Título"/>
+          <p:cNvSpPr>
+            <a:spLocks noGrp="1"/>
+          </p:cNvSpPr>
+          <p:nvPr>
+            <p:ph type="title"/>
+          </p:nvPr>
+        </p:nvSpPr>
+        <p:spPr/>
+        <p:txBody>
+          <a:bodyPr/>
+          <a:lstStyle/>
+          <a:p>
+            <a:r>
+              <a:rPr lang="es-ES" dirty="0" smtClean="0"/>
+              <a:t>La financiación de la empresa</a:t>
+            </a:r>
+            <a:endParaRPr lang="es-ES" dirty="0"/>
+          </a:p>
+        </p:txBody>
+      </p:sp>
+      <p:sp>
+        <p:nvSpPr>
+          <p:cNvPr id="3" name="2 Marcador de contenido"/>
+          <p:cNvSpPr>
+            <a:spLocks noGrp="1"/>
+          </p:cNvSpPr>
+          <p:nvPr>
+            <p:ph idx="1"/>
+          </p:nvPr>
+        </p:nvSpPr>
+        <p:spPr/>
+        <p:txBody>
+          <a:bodyPr>
+            <a:normAutofit lnSpcReduction="10000"/>
+          </a:bodyPr>
+          <a:lstStyle/>
+          <a:p>
+            <a:r>
+              <a:rPr lang="es-ES" dirty="0" smtClean="0"/>
+              <a:t>Tendremos una serie de fuentes de financiación para el comienzo de nuestras actividades, entre ellas cabe destacar la aportación inicial de los socios y un préstamo a largo plazo con el banco.</a:t>
+            </a:r>
+          </a:p>
+          <a:p>
+            <a:endParaRPr lang="es-ES" dirty="0" smtClean="0"/>
+          </a:p>
+          <a:p>
+            <a:pPr>
+              <a:buNone/>
+            </a:pPr>
+            <a:r>
+              <a:rPr lang="es-ES" dirty="0" smtClean="0"/>
+              <a:t>Los socios proporcionarán 17500€ cada uno y contaremos con un préstamo bancario de 14625€, patrimonio neto y pasivo de corto plazo respectivamente.</a:t>
+            </a:r>
+          </a:p>
+          <a:p>
+            <a:endParaRPr lang="es-ES" dirty="0" smtClean="0"/>
+          </a:p>
+          <a:p>
+            <a:endParaRPr lang="es-ES" dirty="0" smtClean="0"/>
+          </a:p>
+        </p:txBody>
+      </p:sp>
+    </p:spTree>
+  </p:cSld>
+  <p:clrMapOvr>
+    <a:masterClrMapping/>
+  </p:clrMapOvr>
+</p:sld>
+</file>
+
+<file path=ppt/slides/slide15.xml><?xml version="1.0" encoding="utf-8"?>
+<p:sld xmlns:a="http://schemas.openxmlformats.org/drawingml/2006/main" xmlns:r="http://schemas.openxmlformats.org/officeDocument/2006/relationships" xmlns:p="http://schemas.openxmlformats.org/presentationml/2006/main">
+  <p:cSld>
+    <p:spTree>
+      <p:nvGrpSpPr>
+        <p:cNvPr id="1" name=""/>
+        <p:cNvGrpSpPr/>
+        <p:nvPr/>
+      </p:nvGrpSpPr>
+      <p:grpSpPr>
+        <a:xfrm>
+          <a:off x="0" y="0"/>
+          <a:ext cx="0" cy="0"/>
+          <a:chOff x="0" y="0"/>
+          <a:chExt cx="0" cy="0"/>
+        </a:xfrm>
+      </p:grpSpPr>
+      <p:sp>
+        <p:nvSpPr>
+          <p:cNvPr id="2" name="1 Título"/>
+          <p:cNvSpPr>
+            <a:spLocks noGrp="1"/>
+          </p:cNvSpPr>
+          <p:nvPr>
+            <p:ph type="title"/>
+          </p:nvPr>
+        </p:nvSpPr>
+        <p:spPr/>
+        <p:txBody>
+          <a:bodyPr>
+            <a:normAutofit fontScale="90000"/>
+          </a:bodyPr>
+          <a:lstStyle/>
+          <a:p>
+            <a:r>
+              <a:rPr lang="es-ES" dirty="0" smtClean="0"/>
+              <a:t>El análisis contable de la empresa</a:t>
+            </a:r>
+            <a:endParaRPr lang="es-ES" dirty="0"/>
+          </a:p>
+        </p:txBody>
+      </p:sp>
+      <p:sp>
+        <p:nvSpPr>
+          <p:cNvPr id="3" name="2 Marcador de contenido"/>
+          <p:cNvSpPr>
+            <a:spLocks noGrp="1"/>
+          </p:cNvSpPr>
+          <p:nvPr>
+            <p:ph idx="1"/>
+          </p:nvPr>
+        </p:nvSpPr>
+        <p:spPr/>
+        <p:txBody>
+          <a:bodyPr/>
+          <a:lstStyle/>
+          <a:p>
+            <a:r>
+              <a:rPr lang="es-ES" dirty="0" smtClean="0"/>
+              <a:t>Tendremos un fondo de maniobra saludable, teniendo un ratio del 1,03</a:t>
+            </a:r>
+            <a:endParaRPr lang="es-ES" dirty="0"/>
           </a:p>
         </p:txBody>
       </p:sp>
@@ -4936,6 +5444,32 @@
           </a:p>
         </p:txBody>
       </p:sp>
+      <p:pic>
+        <p:nvPicPr>
+          <p:cNvPr id="17410" name="Picture 2" descr="https://upload.wikimedia.org/wikipedia/commons/thumb/4/49/Royal_Game_of_Ur_07.jpg/320px-Royal_Game_of_Ur_07.jpg"/>
+          <p:cNvPicPr>
+            <a:picLocks noChangeAspect="1" noChangeArrowheads="1"/>
+          </p:cNvPicPr>
+          <p:nvPr/>
+        </p:nvPicPr>
+        <p:blipFill>
+          <a:blip r:embed="rId3" cstate="print"/>
+          <a:srcRect/>
+          <a:stretch>
+            <a:fillRect/>
+          </a:stretch>
+        </p:blipFill>
+        <p:spPr bwMode="auto">
+          <a:xfrm>
+            <a:off x="2843808" y="4221088"/>
+            <a:ext cx="3048000" cy="1819276"/>
+          </a:xfrm>
+          <a:prstGeom prst="rect">
+            <a:avLst/>
+          </a:prstGeom>
+          <a:noFill/>
+        </p:spPr>
+      </p:pic>
     </p:spTree>
   </p:cSld>
   <p:clrMapOvr>
@@ -4997,7 +5531,7 @@
         <p:spPr/>
         <p:txBody>
           <a:bodyPr>
-            <a:normAutofit fontScale="92500" lnSpcReduction="20000"/>
+            <a:normAutofit fontScale="85000" lnSpcReduction="10000"/>
           </a:bodyPr>
           <a:lstStyle/>
           <a:p>
@@ -5045,9 +5579,29 @@
             </a:r>
             <a:r>
               <a:rPr lang="es-ES" dirty="0" smtClean="0"/>
-              <a:t>” sean usuarios de nuestros servicios online.</a:t>
-            </a:r>
-            <a:endParaRPr lang="es-ES" dirty="0"/>
+              <a:t>” sean usuarios de nuestros servicios </a:t>
+            </a:r>
+            <a:r>
+              <a:rPr lang="es-ES" i="1" dirty="0" smtClean="0"/>
+              <a:t>online</a:t>
+            </a:r>
+            <a:r>
+              <a:rPr lang="es-ES" dirty="0" smtClean="0"/>
+              <a:t> de foro y no de nuestra tienda </a:t>
+            </a:r>
+            <a:r>
+              <a:rPr lang="es-ES" i="1" dirty="0" smtClean="0"/>
+              <a:t>online</a:t>
+            </a:r>
+            <a:r>
+              <a:rPr lang="es-ES" dirty="0" smtClean="0"/>
+              <a:t> </a:t>
+            </a:r>
+            <a:r>
+              <a:rPr lang="es-ES" i="1" dirty="0" smtClean="0"/>
+              <a:t>per se</a:t>
+            </a:r>
+            <a:endParaRPr lang="es-ES" i="1" dirty="0"/>
           </a:p>
         </p:txBody>
       </p:sp>
@@ -5093,9 +5647,17 @@
           <a:p>
             <a:r>
               <a:rPr lang="es-ES" dirty="0" smtClean="0"/>
-              <a:t>Nuestro entorno</a:t>
-            </a:r>
-            <a:endParaRPr lang="es-ES" dirty="0"/>
+              <a:t>Nuestro </a:t>
+            </a:r>
+            <a:r>
+              <a:rPr lang="es-ES" i="1" dirty="0" smtClean="0"/>
+              <a:t>marketing </a:t>
+            </a:r>
+            <a:r>
+              <a:rPr lang="es-ES" dirty="0" smtClean="0"/>
+              <a:t>I</a:t>
+            </a:r>
+            <a:endParaRPr lang="es-ES" i="1" dirty="0"/>
           </a:p>
         </p:txBody>
       </p:sp>
@@ -5111,44 +5673,48 @@
         </p:nvSpPr>
         <p:spPr/>
         <p:txBody>
-          <a:bodyPr/>
-          <a:lstStyle/>
-          <a:p>
-            <a:r>
-              <a:rPr lang="es-ES" dirty="0" smtClean="0"/>
-              <a:t>El entorno general:</a:t>
-            </a:r>
-          </a:p>
+          <a:bodyPr>
+            <a:normAutofit/>
+          </a:bodyPr>
+          <a:lstStyle/>
           <a:p>
             <a:endParaRPr lang="es-ES" dirty="0" smtClean="0"/>
           </a:p>
           <a:p>
             <a:r>
-              <a:rPr lang="es-ES" dirty="0" smtClean="0"/>
-              <a:t>El entorno específico:</a:t>
-            </a:r>
-          </a:p>
-          <a:p>
+              <a:rPr lang="es-ES" i="1" dirty="0" smtClean="0"/>
+              <a:t>Marketing</a:t>
+            </a:r>
+            <a:r>
+              <a:rPr lang="es-ES" dirty="0" smtClean="0"/>
+              <a:t> estratégico: Posicionamiento en calidad: especialmente en la calidad de nuestro servicio de atención al cliente</a:t>
+            </a:r>
+            <a:r>
+              <a:rPr lang="es-ES" dirty="0" smtClean="0"/>
+              <a:t>.</a:t>
+            </a:r>
             <a:endParaRPr lang="es-ES" dirty="0" smtClean="0"/>
           </a:p>
           <a:p>
-            <a:r>
-              <a:rPr lang="es-ES" dirty="0" smtClean="0"/>
-              <a:t>La competencia:</a:t>
-            </a:r>
+            <a:endParaRPr lang="es-ES" dirty="0" smtClean="0"/>
           </a:p>
           <a:p>
             <a:pPr>
               <a:buNone/>
             </a:pPr>
+            <a:r>
+              <a:rPr lang="es-ES" dirty="0" smtClean="0"/>
+              <a:t>Elaboraremos más sobre esto en la diapositiva que sigue, sobre el </a:t>
+            </a:r>
+            <a:r>
+              <a:rPr lang="es-ES" i="1" dirty="0" smtClean="0"/>
+              <a:t>marketing</a:t>
+            </a:r>
+            <a:r>
+              <a:rPr lang="es-ES" dirty="0" smtClean="0"/>
+              <a:t> operativo.</a:t>
+            </a:r>
             <a:endParaRPr lang="es-ES" dirty="0" smtClean="0"/>
-          </a:p>
-          <a:p>
-            <a:r>
-              <a:rPr lang="es-ES" dirty="0" smtClean="0"/>
-              <a:t>La localización:</a:t>
-            </a:r>
-            <a:endParaRPr lang="es-ES" dirty="0"/>
           </a:p>
         </p:txBody>
       </p:sp>
@@ -5194,13 +5760,9 @@
           <a:p>
             <a:r>
               <a:rPr lang="es-ES" dirty="0" smtClean="0"/>
-              <a:t>Nuestro </a:t>
-            </a:r>
-            <a:r>
-              <a:rPr lang="es-ES" i="1" dirty="0" smtClean="0"/>
-              <a:t>marketing</a:t>
-            </a:r>
-            <a:endParaRPr lang="es-ES" i="1" dirty="0"/>
+              <a:t>Nuestro marketing II</a:t>
+            </a:r>
+            <a:endParaRPr lang="es-ES" dirty="0"/>
           </a:p>
         </p:txBody>
       </p:sp>
@@ -5217,78 +5779,81 @@
         <p:spPr/>
         <p:txBody>
           <a:bodyPr>
-            <a:normAutofit fontScale="70000" lnSpcReduction="20000"/>
+            <a:normAutofit fontScale="77500" lnSpcReduction="20000"/>
           </a:bodyPr>
           <a:lstStyle/>
           <a:p>
+            <a:r>
+              <a:rPr lang="es-ES" dirty="0" smtClean="0"/>
+              <a:t> Marketing operativo:</a:t>
+            </a:r>
+          </a:p>
+          <a:p>
+            <a:pPr>
+              <a:buNone/>
+            </a:pPr>
             <a:endParaRPr lang="es-ES" dirty="0" smtClean="0"/>
           </a:p>
           <a:p>
-            <a:r>
-              <a:rPr lang="es-ES" i="1" dirty="0" smtClean="0"/>
-              <a:t>Marketing</a:t>
-            </a:r>
-            <a:r>
-              <a:rPr lang="es-ES" dirty="0" smtClean="0"/>
-              <a:t> estratégico: Posicionamiento en calidad: especialmente en la calidad de nuestro servicio de atención al cliente.</a:t>
-            </a:r>
-          </a:p>
-          <a:p>
+            <a:pPr>
+              <a:buNone/>
+            </a:pPr>
+            <a:r>
+              <a:rPr lang="es-ES" dirty="0" smtClean="0"/>
+              <a:t>Producto: Proporcionarle al cliente lo que adquiere y como se le proporciona</a:t>
+            </a:r>
+          </a:p>
+          <a:p>
+            <a:pPr>
+              <a:buNone/>
+            </a:pPr>
             <a:endParaRPr lang="es-ES" dirty="0" smtClean="0"/>
           </a:p>
           <a:p>
-            <a:r>
-              <a:rPr lang="es-ES" i="1" dirty="0" smtClean="0"/>
-              <a:t>Marketing</a:t>
-            </a:r>
-            <a:r>
-              <a:rPr lang="es-ES" dirty="0" smtClean="0"/>
-              <a:t> operativo: </a:t>
-            </a:r>
-          </a:p>
-          <a:p>
+            <a:pPr>
+              <a:buNone/>
+            </a:pPr>
+            <a:r>
+              <a:rPr lang="es-ES" dirty="0" smtClean="0"/>
+              <a:t>Precio: Uso de tácticas, como la del precio psicológico, </a:t>
+            </a:r>
+            <a:r>
+              <a:rPr lang="es-ES" dirty="0" err="1" smtClean="0"/>
+              <a:t>i.e.</a:t>
+            </a:r>
+            <a:r>
+              <a:rPr lang="es-ES" dirty="0" smtClean="0"/>
+              <a:t> en los cálculos asumimos que el precio al cliente es 199,5€</a:t>
+            </a:r>
+          </a:p>
+          <a:p>
+            <a:pPr>
+              <a:buNone/>
+            </a:pPr>
             <a:endParaRPr lang="es-ES" dirty="0" smtClean="0"/>
           </a:p>
           <a:p>
-            <a:r>
-              <a:rPr lang="es-ES" dirty="0" smtClean="0"/>
-              <a:t>Características del producto</a:t>
-            </a:r>
-          </a:p>
-          <a:p>
+            <a:pPr>
+              <a:buNone/>
+            </a:pPr>
+            <a:r>
+              <a:rPr lang="es-ES" dirty="0" smtClean="0"/>
+              <a:t>Promoción: Campaña de publicidad inicial, campaña de publicidad continua, especialmente en entornos digitales</a:t>
+            </a:r>
+          </a:p>
+          <a:p>
+            <a:pPr>
+              <a:buNone/>
+            </a:pPr>
             <a:endParaRPr lang="es-ES" dirty="0" smtClean="0"/>
           </a:p>
           <a:p>
-            <a:r>
-              <a:rPr lang="es-ES" dirty="0" smtClean="0"/>
-              <a:t>Precios</a:t>
-            </a:r>
-          </a:p>
-          <a:p>
-            <a:endParaRPr lang="es-ES" dirty="0" smtClean="0"/>
-          </a:p>
-          <a:p>
-            <a:r>
-              <a:rPr lang="es-ES" dirty="0" smtClean="0"/>
-              <a:t>Promociones</a:t>
-            </a:r>
-          </a:p>
-          <a:p>
-            <a:endParaRPr lang="es-ES" dirty="0" smtClean="0"/>
-          </a:p>
-          <a:p>
-            <a:r>
-              <a:rPr lang="es-ES" dirty="0" smtClean="0"/>
-              <a:t>Distribución</a:t>
-            </a:r>
-          </a:p>
-          <a:p>
-            <a:endParaRPr lang="es-ES" dirty="0" smtClean="0"/>
-          </a:p>
-          <a:p>
-            <a:r>
-              <a:rPr lang="es-ES" dirty="0" smtClean="0"/>
-              <a:t>Atención al cliente</a:t>
+            <a:pPr>
+              <a:buNone/>
+            </a:pPr>
+            <a:r>
+              <a:rPr lang="es-ES" dirty="0" smtClean="0"/>
+              <a:t>Y Distribución (Place): Creación de un entorno digital accesible al usuario promedio, creación de una comunidad en torno a este.</a:t>
             </a:r>
             <a:endParaRPr lang="es-ES" dirty="0"/>
           </a:p>
@@ -5355,14 +5920,19 @@
         <p:spPr/>
         <p:txBody>
           <a:bodyPr>
-            <a:normAutofit lnSpcReduction="10000"/>
+            <a:normAutofit/>
           </a:bodyPr>
           <a:lstStyle/>
           <a:p>
             <a:r>
               <a:rPr lang="es-ES" dirty="0" smtClean="0"/>
-              <a:t>Dirección [NOMBRE DEL SOCIO QUE DIRIGIA]</a:t>
-            </a:r>
+              <a:t>Dirección </a:t>
+            </a:r>
+            <a:r>
+              <a:rPr lang="es-ES" dirty="0" smtClean="0"/>
+              <a:t>llevada a cabo por Mark.</a:t>
+            </a:r>
+            <a:endParaRPr lang="es-ES" dirty="0" smtClean="0"/>
           </a:p>
           <a:p>
             <a:endParaRPr lang="es-ES" dirty="0" smtClean="0"/>
@@ -5460,7 +6030,9 @@
         </p:nvSpPr>
         <p:spPr/>
         <p:txBody>
-          <a:bodyPr/>
+          <a:bodyPr>
+            <a:normAutofit lnSpcReduction="10000"/>
+          </a:bodyPr>
           <a:lstStyle/>
           <a:p>
             <a:r>
@@ -5469,15 +6041,15 @@
             </a:r>
           </a:p>
           <a:p>
+            <a:endParaRPr lang="es-ES" dirty="0" smtClean="0"/>
+          </a:p>
+          <a:p>
+            <a:endParaRPr lang="es-ES" dirty="0" smtClean="0"/>
+          </a:p>
+          <a:p>
             <a:pPr>
               <a:buNone/>
             </a:pPr>
-            <a:r>
-              <a:rPr lang="es-ES" dirty="0" smtClean="0"/>
-              <a:t>[ORGANIGRAMA DE LA EMPRESA]</a:t>
-            </a:r>
-          </a:p>
-          <a:p>
             <a:endParaRPr lang="es-ES" dirty="0" smtClean="0"/>
           </a:p>
           <a:p>
@@ -5486,11 +6058,56 @@
           <a:p>
             <a:r>
               <a:rPr lang="es-ES" dirty="0" smtClean="0"/>
-              <a:t>Obligaciones de la empresa- Prevención de riesgos laborales:</a:t>
-            </a:r>
-          </a:p>
-        </p:txBody>
-      </p:sp>
+              <a:t>Obligaciones de la empresa- Prevención de riesgos </a:t>
+            </a:r>
+            <a:r>
+              <a:rPr lang="es-ES" dirty="0" smtClean="0"/>
+              <a:t>laborales. Obligaciones legales de servicios online (regulación de privacidad de la EU) y de servicios de venta (devolución, </a:t>
+            </a:r>
+            <a:r>
+              <a:rPr lang="es-ES" dirty="0" err="1" smtClean="0"/>
+              <a:t>etc</a:t>
+            </a:r>
+            <a:r>
+              <a:rPr lang="es-ES" dirty="0" smtClean="0"/>
+              <a:t>…)</a:t>
+            </a:r>
+            <a:endParaRPr lang="es-ES" dirty="0" smtClean="0"/>
+          </a:p>
+        </p:txBody>
+      </p:sp>
+      <p:pic>
+        <p:nvPicPr>
+          <p:cNvPr id="10242" name="Picture 2"/>
+          <p:cNvPicPr>
+            <a:picLocks noChangeAspect="1" noChangeArrowheads="1"/>
+          </p:cNvPicPr>
+          <p:nvPr/>
+        </p:nvPicPr>
+        <p:blipFill>
+          <a:blip r:embed="rId3" cstate="print"/>
+          <a:srcRect/>
+          <a:stretch>
+            <a:fillRect/>
+          </a:stretch>
+        </p:blipFill>
+        <p:spPr bwMode="auto">
+          <a:xfrm>
+            <a:off x="2195736" y="2420888"/>
+            <a:ext cx="4524375" cy="1447800"/>
+          </a:xfrm>
+          <a:prstGeom prst="rect">
+            <a:avLst/>
+          </a:prstGeom>
+          <a:noFill/>
+          <a:ln w="9525">
+            <a:noFill/>
+            <a:miter lim="800000"/>
+            <a:headEnd/>
+            <a:tailEnd/>
+          </a:ln>
+        </p:spPr>
+      </p:pic>
     </p:spTree>
   </p:cSld>
   <p:clrMapOvr>
